--- a/Documents/BluePrint.pptx
+++ b/Documents/BluePrint.pptx
@@ -3301,7 +3301,7 @@
       </p:sp>
       <p:pic>
         <p:nvPicPr>
-          <p:cNvPr id="2050" name="Picture 2"/>
+          <p:cNvPr id="1026" name="Picture 2"/>
           <p:cNvPicPr>
             <a:picLocks noChangeAspect="1" noChangeArrowheads="1"/>
           </p:cNvPicPr>
@@ -3316,8 +3316,8 @@
         </p:blipFill>
         <p:spPr bwMode="auto">
           <a:xfrm>
-            <a:off x="909638" y="1447800"/>
-            <a:ext cx="7324725" cy="5324474"/>
+            <a:off x="904875" y="1600201"/>
+            <a:ext cx="7334250" cy="5172074"/>
           </a:xfrm>
           <a:prstGeom prst="rect">
             <a:avLst/>
